--- a/presentation/Group3_NFL_slides.pptx
+++ b/presentation/Group3_NFL_slides.pptx
@@ -236,7 +236,7 @@
           <a:p>
             <a:fld id="{EB8C2E64-CB28-4980-BDE7-53D94BC7D1A0}" type="datetimeFigureOut">
               <a:rPr lang="en-US" smtClean="0"/>
-              <a:t>4/23/2023</a:t>
+              <a:t>4/24/2023</a:t>
             </a:fld>
             <a:endParaRPr lang="en-US"/>
           </a:p>
@@ -414,7 +414,7 @@
             <a:fld id="{7663E9E0-D922-418E-8BFA-E41C87CB1E68}" type="datetimeFigureOut">
               <a:rPr lang="en-US" smtClean="0"/>
               <a:pPr/>
-              <a:t>4/23/2023</a:t>
+              <a:t>4/24/2023</a:t>
             </a:fld>
             <a:endParaRPr lang="en-US" dirty="0"/>
           </a:p>
@@ -11028,8 +11028,8 @@
         </p:nvSpPr>
         <p:spPr>
           <a:xfrm>
-            <a:off x="3106675" y="1418332"/>
-            <a:ext cx="3294125" cy="830997"/>
+            <a:off x="3056045" y="1412419"/>
+            <a:ext cx="3294125" cy="584775"/>
           </a:xfrm>
           <a:prstGeom prst="rect">
             <a:avLst/>
@@ -11054,7 +11054,15 @@
                   </a:schemeClr>
                 </a:solidFill>
               </a:rPr>
-              <a:t>Deployed to render</a:t>
+              <a:t>Deployed to </a:t>
+            </a:r>
+            <a:r>
+              <a:rPr lang="en-US" sz="1600" b="1" dirty="0">
+                <a:solidFill>
+                  <a:srgbClr val="002060"/>
+                </a:solidFill>
+              </a:rPr>
+              <a:t>AWS</a:t>
             </a:r>
           </a:p>
           <a:p>
@@ -11070,25 +11078,7 @@
                   </a:schemeClr>
                 </a:solidFill>
               </a:rPr>
-              <a:t>Used</a:t>
-            </a:r>
-            <a:r>
-              <a:rPr lang="en-US" sz="1600" b="1" dirty="0">
-                <a:solidFill>
-                  <a:schemeClr val="bg1">
-                    <a:lumMod val="50000"/>
-                  </a:schemeClr>
-                </a:solidFill>
-              </a:rPr>
-              <a:t> </a:t>
-            </a:r>
-            <a:r>
-              <a:rPr lang="en-US" sz="1600" b="1" dirty="0" err="1">
-                <a:solidFill>
-                  <a:srgbClr val="002060"/>
-                </a:solidFill>
-              </a:rPr>
-              <a:t>guincorn</a:t>
+              <a:t>Deployed to </a:t>
             </a:r>
             <a:r>
               <a:rPr lang="en-US" sz="1600" b="1" dirty="0">
@@ -11096,17 +11086,7 @@
                   <a:srgbClr val="002060"/>
                 </a:solidFill>
               </a:rPr>
-              <a:t> </a:t>
-            </a:r>
-            <a:r>
-              <a:rPr lang="en-US" sz="1600" dirty="0">
-                <a:solidFill>
-                  <a:schemeClr val="bg1">
-                    <a:lumMod val="50000"/>
-                  </a:schemeClr>
-                </a:solidFill>
-              </a:rPr>
-              <a:t>for web deployment</a:t>
+              <a:t>GitHub Pages</a:t>
             </a:r>
           </a:p>
         </p:txBody>
@@ -11197,8 +11177,8 @@
         </p:nvSpPr>
         <p:spPr>
           <a:xfrm>
-            <a:off x="5638800" y="3421618"/>
-            <a:ext cx="3762746" cy="353943"/>
+            <a:off x="6004556" y="3389660"/>
+            <a:ext cx="2983230" cy="646331"/>
           </a:xfrm>
           <a:prstGeom prst="rect">
             <a:avLst/>
@@ -11306,23 +11286,180 @@
           </a:lstStyle>
           <a:p>
             <a:r>
-              <a:rPr lang="en-CA" sz="1700" b="1" i="0" u="none" strike="noStrike" dirty="0">
+              <a:rPr lang="en-CA" sz="1400" b="1" i="0" u="none" strike="noStrike" dirty="0">
+                <a:solidFill>
+                  <a:srgbClr val="FF0000"/>
+                </a:solidFill>
+                <a:effectLst/>
+                <a:latin typeface="Slack-Lato"/>
+              </a:rPr>
+              <a:t>AWS:</a:t>
+            </a:r>
+          </a:p>
+          <a:p>
+            <a:r>
+              <a:rPr lang="en-CA" sz="1100" b="1" i="0" u="none" strike="noStrike" dirty="0">
                 <a:solidFill>
                   <a:srgbClr val="002060"/>
                 </a:solidFill>
                 <a:effectLst/>
                 <a:latin typeface="Slack-Lato"/>
-                <a:hlinkClick r:id="rId3">
-                  <a:extLst>
-                    <a:ext uri="{A12FA001-AC4F-418D-AE19-62706E023703}">
-                      <ahyp:hlinkClr xmlns:ahyp="http://schemas.microsoft.com/office/drawing/2018/hyperlinkcolor" val="tx"/>
-                    </a:ext>
-                  </a:extLst>
-                </a:hlinkClick>
               </a:rPr>
-              <a:t>https://nfl-dashboard.onrender.com/</a:t>
+              <a:t>https://flask-service.ofeg1bv1af188.ca-central-1.cs.amazonlightsail.com/index.html</a:t>
             </a:r>
-            <a:endParaRPr lang="en-CA" sz="1700" b="1" dirty="0">
+            <a:endParaRPr lang="en-CA" sz="1100" b="1" dirty="0">
+              <a:solidFill>
+                <a:srgbClr val="002060"/>
+              </a:solidFill>
+            </a:endParaRPr>
+          </a:p>
+        </p:txBody>
+      </p:sp>
+      <p:sp>
+        <p:nvSpPr>
+          <p:cNvPr id="9" name="TextBox 20">
+            <a:extLst>
+              <a:ext uri="{FF2B5EF4-FFF2-40B4-BE49-F238E27FC236}">
+                <a16:creationId xmlns:a16="http://schemas.microsoft.com/office/drawing/2014/main" id="{F96024F5-6C75-D6D1-9A3E-94E1110479DE}"/>
+              </a:ext>
+            </a:extLst>
+          </p:cNvPr>
+          <p:cNvSpPr txBox="1"/>
+          <p:nvPr/>
+        </p:nvSpPr>
+        <p:spPr>
+          <a:xfrm>
+            <a:off x="5996518" y="4140790"/>
+            <a:ext cx="2740994" cy="646331"/>
+          </a:xfrm>
+          <a:prstGeom prst="rect">
+            <a:avLst/>
+          </a:prstGeom>
+          <a:noFill/>
+        </p:spPr>
+        <p:txBody>
+          <a:bodyPr wrap="square" rtlCol="0">
+            <a:spAutoFit/>
+          </a:bodyPr>
+          <a:lstStyle>
+            <a:defPPr>
+              <a:defRPr lang="en-US"/>
+            </a:defPPr>
+            <a:lvl1pPr marL="0" algn="l" defTabSz="914400" rtl="0" eaLnBrk="1" latinLnBrk="0" hangingPunct="1">
+              <a:defRPr sz="1800" kern="1200">
+                <a:solidFill>
+                  <a:schemeClr val="tx1"/>
+                </a:solidFill>
+                <a:latin typeface="+mn-lt"/>
+                <a:ea typeface="+mn-ea"/>
+                <a:cs typeface="+mn-cs"/>
+              </a:defRPr>
+            </a:lvl1pPr>
+            <a:lvl2pPr marL="457200" algn="l" defTabSz="914400" rtl="0" eaLnBrk="1" latinLnBrk="0" hangingPunct="1">
+              <a:defRPr sz="1800" kern="1200">
+                <a:solidFill>
+                  <a:schemeClr val="tx1"/>
+                </a:solidFill>
+                <a:latin typeface="+mn-lt"/>
+                <a:ea typeface="+mn-ea"/>
+                <a:cs typeface="+mn-cs"/>
+              </a:defRPr>
+            </a:lvl2pPr>
+            <a:lvl3pPr marL="914400" algn="l" defTabSz="914400" rtl="0" eaLnBrk="1" latinLnBrk="0" hangingPunct="1">
+              <a:defRPr sz="1800" kern="1200">
+                <a:solidFill>
+                  <a:schemeClr val="tx1"/>
+                </a:solidFill>
+                <a:latin typeface="+mn-lt"/>
+                <a:ea typeface="+mn-ea"/>
+                <a:cs typeface="+mn-cs"/>
+              </a:defRPr>
+            </a:lvl3pPr>
+            <a:lvl4pPr marL="1371600" algn="l" defTabSz="914400" rtl="0" eaLnBrk="1" latinLnBrk="0" hangingPunct="1">
+              <a:defRPr sz="1800" kern="1200">
+                <a:solidFill>
+                  <a:schemeClr val="tx1"/>
+                </a:solidFill>
+                <a:latin typeface="+mn-lt"/>
+                <a:ea typeface="+mn-ea"/>
+                <a:cs typeface="+mn-cs"/>
+              </a:defRPr>
+            </a:lvl4pPr>
+            <a:lvl5pPr marL="1828800" algn="l" defTabSz="914400" rtl="0" eaLnBrk="1" latinLnBrk="0" hangingPunct="1">
+              <a:defRPr sz="1800" kern="1200">
+                <a:solidFill>
+                  <a:schemeClr val="tx1"/>
+                </a:solidFill>
+                <a:latin typeface="+mn-lt"/>
+                <a:ea typeface="+mn-ea"/>
+                <a:cs typeface="+mn-cs"/>
+              </a:defRPr>
+            </a:lvl5pPr>
+            <a:lvl6pPr marL="2286000" algn="l" defTabSz="914400" rtl="0" eaLnBrk="1" latinLnBrk="0" hangingPunct="1">
+              <a:defRPr sz="1800" kern="1200">
+                <a:solidFill>
+                  <a:schemeClr val="tx1"/>
+                </a:solidFill>
+                <a:latin typeface="+mn-lt"/>
+                <a:ea typeface="+mn-ea"/>
+                <a:cs typeface="+mn-cs"/>
+              </a:defRPr>
+            </a:lvl6pPr>
+            <a:lvl7pPr marL="2743200" algn="l" defTabSz="914400" rtl="0" eaLnBrk="1" latinLnBrk="0" hangingPunct="1">
+              <a:defRPr sz="1800" kern="1200">
+                <a:solidFill>
+                  <a:schemeClr val="tx1"/>
+                </a:solidFill>
+                <a:latin typeface="+mn-lt"/>
+                <a:ea typeface="+mn-ea"/>
+                <a:cs typeface="+mn-cs"/>
+              </a:defRPr>
+            </a:lvl7pPr>
+            <a:lvl8pPr marL="3200400" algn="l" defTabSz="914400" rtl="0" eaLnBrk="1" latinLnBrk="0" hangingPunct="1">
+              <a:defRPr sz="1800" kern="1200">
+                <a:solidFill>
+                  <a:schemeClr val="tx1"/>
+                </a:solidFill>
+                <a:latin typeface="+mn-lt"/>
+                <a:ea typeface="+mn-ea"/>
+                <a:cs typeface="+mn-cs"/>
+              </a:defRPr>
+            </a:lvl8pPr>
+            <a:lvl9pPr marL="3657600" algn="l" defTabSz="914400" rtl="0" eaLnBrk="1" latinLnBrk="0" hangingPunct="1">
+              <a:defRPr sz="1800" kern="1200">
+                <a:solidFill>
+                  <a:schemeClr val="tx1"/>
+                </a:solidFill>
+                <a:latin typeface="+mn-lt"/>
+                <a:ea typeface="+mn-ea"/>
+                <a:cs typeface="+mn-cs"/>
+              </a:defRPr>
+            </a:lvl9pPr>
+          </a:lstStyle>
+          <a:p>
+            <a:r>
+              <a:rPr lang="en-CA" sz="1400" b="1" i="0" u="none" strike="noStrike" dirty="0">
+                <a:solidFill>
+                  <a:srgbClr val="FF0000"/>
+                </a:solidFill>
+                <a:effectLst/>
+                <a:latin typeface="Slack-Lato"/>
+              </a:rPr>
+              <a:t>GitHub Pages:</a:t>
+            </a:r>
+          </a:p>
+          <a:p>
+            <a:r>
+              <a:rPr lang="en-CA" sz="1100" b="1" i="0" u="none" strike="noStrike" dirty="0">
+                <a:solidFill>
+                  <a:srgbClr val="002060"/>
+                </a:solidFill>
+                <a:effectLst/>
+                <a:latin typeface="Slack-Lato"/>
+              </a:rPr>
+              <a:t>https://gusmendesbh.github.io/project3-group1/index.html</a:t>
+            </a:r>
+            <a:endParaRPr lang="en-CA" sz="1100" b="1" dirty="0">
               <a:solidFill>
                 <a:srgbClr val="002060"/>
               </a:solidFill>
@@ -13768,7 +13905,7 @@
           <p:nvPr/>
         </p:nvPicPr>
         <p:blipFill>
-          <a:blip r:embed="rId4" cstate="print">
+          <a:blip cstate="print">
             <a:extLst>
               <a:ext uri="{28A0092B-C50C-407E-A947-70E740481C1C}">
                 <a14:useLocalDpi xmlns:a14="http://schemas.microsoft.com/office/drawing/2010/main" val="0"/>

--- a/presentation/Group3_NFL_slides.pptx
+++ b/presentation/Group3_NFL_slides.pptx
@@ -13762,62 +13762,6 @@
       </p:sp>
       <p:sp>
         <p:nvSpPr>
-          <p:cNvPr id="27" name="Oval 26">
-            <a:extLst>
-              <a:ext uri="{FF2B5EF4-FFF2-40B4-BE49-F238E27FC236}">
-                <a16:creationId xmlns:a16="http://schemas.microsoft.com/office/drawing/2014/main" id="{2510C6F0-B22E-4F5E-97AB-B72F2BE74E03}"/>
-              </a:ext>
-            </a:extLst>
-          </p:cNvPr>
-          <p:cNvSpPr/>
-          <p:nvPr/>
-        </p:nvSpPr>
-        <p:spPr>
-          <a:xfrm flipH="1">
-            <a:off x="3539425" y="2952750"/>
-            <a:ext cx="2042163" cy="1828800"/>
-          </a:xfrm>
-          <a:prstGeom prst="ellipse">
-            <a:avLst/>
-          </a:prstGeom>
-          <a:solidFill>
-            <a:srgbClr val="002060"/>
-          </a:solidFill>
-          <a:ln w="57150">
-            <a:noFill/>
-          </a:ln>
-        </p:spPr>
-        <p:style>
-          <a:lnRef idx="2">
-            <a:schemeClr val="accent1">
-              <a:shade val="50000"/>
-            </a:schemeClr>
-          </a:lnRef>
-          <a:fillRef idx="1">
-            <a:schemeClr val="accent1"/>
-          </a:fillRef>
-          <a:effectRef idx="0">
-            <a:schemeClr val="accent1"/>
-          </a:effectRef>
-          <a:fontRef idx="minor">
-            <a:schemeClr val="lt1"/>
-          </a:fontRef>
-        </p:style>
-        <p:txBody>
-          <a:bodyPr rtlCol="0" anchor="ctr"/>
-          <a:lstStyle/>
-          <a:p>
-            <a:pPr algn="ctr"/>
-            <a:endParaRPr lang="en-US" sz="1600" dirty="0">
-              <a:solidFill>
-                <a:schemeClr val="bg1"/>
-              </a:solidFill>
-            </a:endParaRPr>
-          </a:p>
-        </p:txBody>
-      </p:sp>
-      <p:sp>
-        <p:nvSpPr>
           <p:cNvPr id="41" name="Rectangle 40">
             <a:extLst>
               <a:ext uri="{FF2B5EF4-FFF2-40B4-BE49-F238E27FC236}">
@@ -13890,42 +13834,119 @@
           </a:xfrm>
         </p:spPr>
       </p:pic>
-      <p:pic>
-        <p:nvPicPr>
-          <p:cNvPr id="12" name="Picture 11">
+      <p:grpSp>
+        <p:nvGrpSpPr>
+          <p:cNvPr id="4" name="Group 3">
             <a:extLst>
               <a:ext uri="{FF2B5EF4-FFF2-40B4-BE49-F238E27FC236}">
-                <a16:creationId xmlns:a16="http://schemas.microsoft.com/office/drawing/2014/main" id="{4FDCD5D9-6355-1A30-CBFB-ADDB307D35B6}"/>
+                <a16:creationId xmlns:a16="http://schemas.microsoft.com/office/drawing/2014/main" id="{6326BEE0-D9F4-DAD2-14D7-9EA15088EFEA}"/>
               </a:ext>
             </a:extLst>
           </p:cNvPr>
-          <p:cNvPicPr>
-            <a:picLocks noChangeAspect="1"/>
-          </p:cNvPicPr>
+          <p:cNvGrpSpPr/>
           <p:nvPr/>
-        </p:nvPicPr>
-        <p:blipFill>
-          <a:blip cstate="print">
-            <a:extLst>
-              <a:ext uri="{28A0092B-C50C-407E-A947-70E740481C1C}">
-                <a14:useLocalDpi xmlns:a14="http://schemas.microsoft.com/office/drawing/2010/main" val="0"/>
-              </a:ext>
-            </a:extLst>
-          </a:blip>
-          <a:stretch>
-            <a:fillRect/>
-          </a:stretch>
-        </p:blipFill>
-        <p:spPr>
+        </p:nvGrpSpPr>
+        <p:grpSpPr>
           <a:xfrm>
-            <a:off x="3868789" y="3156756"/>
-            <a:ext cx="1376919" cy="1376919"/>
+            <a:off x="3544129" y="2952750"/>
+            <a:ext cx="1942272" cy="1828800"/>
+            <a:chOff x="3544128" y="2952750"/>
+            <a:chExt cx="2042163" cy="1828800"/>
           </a:xfrm>
-          <a:prstGeom prst="rect">
-            <a:avLst/>
-          </a:prstGeom>
-        </p:spPr>
-      </p:pic>
+        </p:grpSpPr>
+        <p:sp>
+          <p:nvSpPr>
+            <p:cNvPr id="27" name="Oval 26">
+              <a:extLst>
+                <a:ext uri="{FF2B5EF4-FFF2-40B4-BE49-F238E27FC236}">
+                  <a16:creationId xmlns:a16="http://schemas.microsoft.com/office/drawing/2014/main" id="{2510C6F0-B22E-4F5E-97AB-B72F2BE74E03}"/>
+                </a:ext>
+              </a:extLst>
+            </p:cNvPr>
+            <p:cNvSpPr/>
+            <p:nvPr/>
+          </p:nvSpPr>
+          <p:spPr>
+            <a:xfrm flipH="1">
+              <a:off x="3544128" y="2952750"/>
+              <a:ext cx="2042163" cy="1828800"/>
+            </a:xfrm>
+            <a:prstGeom prst="ellipse">
+              <a:avLst/>
+            </a:prstGeom>
+            <a:solidFill>
+              <a:srgbClr val="002060"/>
+            </a:solidFill>
+            <a:ln w="57150">
+              <a:noFill/>
+            </a:ln>
+          </p:spPr>
+          <p:style>
+            <a:lnRef idx="2">
+              <a:schemeClr val="accent1">
+                <a:shade val="50000"/>
+              </a:schemeClr>
+            </a:lnRef>
+            <a:fillRef idx="1">
+              <a:schemeClr val="accent1"/>
+            </a:fillRef>
+            <a:effectRef idx="0">
+              <a:schemeClr val="accent1"/>
+            </a:effectRef>
+            <a:fontRef idx="minor">
+              <a:schemeClr val="lt1"/>
+            </a:fontRef>
+          </p:style>
+          <p:txBody>
+            <a:bodyPr rtlCol="0" anchor="ctr"/>
+            <a:lstStyle/>
+            <a:p>
+              <a:pPr algn="ctr"/>
+              <a:endParaRPr lang="en-US" sz="1600" dirty="0">
+                <a:solidFill>
+                  <a:schemeClr val="bg1"/>
+                </a:solidFill>
+              </a:endParaRPr>
+            </a:p>
+          </p:txBody>
+        </p:sp>
+        <p:pic>
+          <p:nvPicPr>
+            <p:cNvPr id="3" name="Picture 2">
+              <a:extLst>
+                <a:ext uri="{FF2B5EF4-FFF2-40B4-BE49-F238E27FC236}">
+                  <a16:creationId xmlns:a16="http://schemas.microsoft.com/office/drawing/2014/main" id="{800B0658-4F71-F03C-D9F3-55CDA9F36BA9}"/>
+                </a:ext>
+              </a:extLst>
+            </p:cNvPr>
+            <p:cNvPicPr>
+              <a:picLocks noChangeAspect="1"/>
+            </p:cNvPicPr>
+            <p:nvPr/>
+          </p:nvPicPr>
+          <p:blipFill>
+            <a:blip r:embed="rId4" cstate="print">
+              <a:extLst>
+                <a:ext uri="{28A0092B-C50C-407E-A947-70E740481C1C}">
+                  <a14:useLocalDpi xmlns:a14="http://schemas.microsoft.com/office/drawing/2010/main" val="0"/>
+                </a:ext>
+              </a:extLst>
+            </a:blip>
+            <a:stretch>
+              <a:fillRect/>
+            </a:stretch>
+          </p:blipFill>
+          <p:spPr>
+            <a:xfrm>
+              <a:off x="3869915" y="3196117"/>
+              <a:ext cx="1390587" cy="1390587"/>
+            </a:xfrm>
+            <a:prstGeom prst="rect">
+              <a:avLst/>
+            </a:prstGeom>
+          </p:spPr>
+        </p:pic>
+      </p:grpSp>
     </p:spTree>
     <p:extLst>
       <p:ext uri="{BB962C8B-B14F-4D97-AF65-F5344CB8AC3E}">
@@ -37853,10 +37874,10 @@
       </p:sp>
       <p:pic>
         <p:nvPicPr>
-          <p:cNvPr id="6" name="Picture 5">
+          <p:cNvPr id="7" name="Picture 6">
             <a:extLst>
               <a:ext uri="{FF2B5EF4-FFF2-40B4-BE49-F238E27FC236}">
-                <a16:creationId xmlns:a16="http://schemas.microsoft.com/office/drawing/2014/main" id="{179D2770-D99C-E603-03E2-7ACB6A2F6E80}"/>
+                <a16:creationId xmlns:a16="http://schemas.microsoft.com/office/drawing/2014/main" id="{906AE109-66CF-B478-D972-62D56F2029DF}"/>
               </a:ext>
             </a:extLst>
           </p:cNvPr>
@@ -37866,7 +37887,7 @@
           <p:nvPr/>
         </p:nvPicPr>
         <p:blipFill>
-          <a:blip r:embed="rId2" cstate="print">
+          <a:blip r:embed="rId2">
             <a:extLst>
               <a:ext uri="{28A0092B-C50C-407E-A947-70E740481C1C}">
                 <a14:useLocalDpi xmlns:a14="http://schemas.microsoft.com/office/drawing/2010/main" val="0"/>
@@ -37879,8 +37900,8 @@
         </p:blipFill>
         <p:spPr>
           <a:xfrm>
-            <a:off x="4821082" y="411000"/>
-            <a:ext cx="4170518" cy="4447738"/>
+            <a:off x="4876802" y="285750"/>
+            <a:ext cx="4267198" cy="4550844"/>
           </a:xfrm>
           <a:prstGeom prst="rect">
             <a:avLst/>

--- a/presentation/Group3_NFL_slides.pptx
+++ b/presentation/Group3_NFL_slides.pptx
@@ -13762,62 +13762,6 @@
       </p:sp>
       <p:sp>
         <p:nvSpPr>
-          <p:cNvPr id="27" name="Oval 26">
-            <a:extLst>
-              <a:ext uri="{FF2B5EF4-FFF2-40B4-BE49-F238E27FC236}">
-                <a16:creationId xmlns:a16="http://schemas.microsoft.com/office/drawing/2014/main" id="{2510C6F0-B22E-4F5E-97AB-B72F2BE74E03}"/>
-              </a:ext>
-            </a:extLst>
-          </p:cNvPr>
-          <p:cNvSpPr/>
-          <p:nvPr/>
-        </p:nvSpPr>
-        <p:spPr>
-          <a:xfrm flipH="1">
-            <a:off x="3539425" y="2952750"/>
-            <a:ext cx="2042163" cy="1828800"/>
-          </a:xfrm>
-          <a:prstGeom prst="ellipse">
-            <a:avLst/>
-          </a:prstGeom>
-          <a:solidFill>
-            <a:srgbClr val="002060"/>
-          </a:solidFill>
-          <a:ln w="57150">
-            <a:noFill/>
-          </a:ln>
-        </p:spPr>
-        <p:style>
-          <a:lnRef idx="2">
-            <a:schemeClr val="accent1">
-              <a:shade val="50000"/>
-            </a:schemeClr>
-          </a:lnRef>
-          <a:fillRef idx="1">
-            <a:schemeClr val="accent1"/>
-          </a:fillRef>
-          <a:effectRef idx="0">
-            <a:schemeClr val="accent1"/>
-          </a:effectRef>
-          <a:fontRef idx="minor">
-            <a:schemeClr val="lt1"/>
-          </a:fontRef>
-        </p:style>
-        <p:txBody>
-          <a:bodyPr rtlCol="0" anchor="ctr"/>
-          <a:lstStyle/>
-          <a:p>
-            <a:pPr algn="ctr"/>
-            <a:endParaRPr lang="en-US" sz="1600" dirty="0">
-              <a:solidFill>
-                <a:schemeClr val="bg1"/>
-              </a:solidFill>
-            </a:endParaRPr>
-          </a:p>
-        </p:txBody>
-      </p:sp>
-      <p:sp>
-        <p:nvSpPr>
           <p:cNvPr id="41" name="Rectangle 40">
             <a:extLst>
               <a:ext uri="{FF2B5EF4-FFF2-40B4-BE49-F238E27FC236}">
@@ -13890,12 +13834,68 @@
           </a:xfrm>
         </p:spPr>
       </p:pic>
+      <p:sp>
+        <p:nvSpPr>
+          <p:cNvPr id="27" name="Oval 26">
+            <a:extLst>
+              <a:ext uri="{FF2B5EF4-FFF2-40B4-BE49-F238E27FC236}">
+                <a16:creationId xmlns:a16="http://schemas.microsoft.com/office/drawing/2014/main" id="{2510C6F0-B22E-4F5E-97AB-B72F2BE74E03}"/>
+              </a:ext>
+            </a:extLst>
+          </p:cNvPr>
+          <p:cNvSpPr/>
+          <p:nvPr/>
+        </p:nvSpPr>
+        <p:spPr>
+          <a:xfrm flipH="1">
+            <a:off x="3544129" y="2952750"/>
+            <a:ext cx="1942272" cy="1828800"/>
+          </a:xfrm>
+          <a:prstGeom prst="ellipse">
+            <a:avLst/>
+          </a:prstGeom>
+          <a:solidFill>
+            <a:srgbClr val="002060"/>
+          </a:solidFill>
+          <a:ln w="57150">
+            <a:noFill/>
+          </a:ln>
+        </p:spPr>
+        <p:style>
+          <a:lnRef idx="2">
+            <a:schemeClr val="accent1">
+              <a:shade val="50000"/>
+            </a:schemeClr>
+          </a:lnRef>
+          <a:fillRef idx="1">
+            <a:schemeClr val="accent1"/>
+          </a:fillRef>
+          <a:effectRef idx="0">
+            <a:schemeClr val="accent1"/>
+          </a:effectRef>
+          <a:fontRef idx="minor">
+            <a:schemeClr val="lt1"/>
+          </a:fontRef>
+        </p:style>
+        <p:txBody>
+          <a:bodyPr rtlCol="0" anchor="ctr"/>
+          <a:lstStyle/>
+          <a:p>
+            <a:pPr algn="ctr"/>
+            <a:endParaRPr lang="en-US" sz="1600" dirty="0">
+              <a:solidFill>
+                <a:schemeClr val="bg1"/>
+              </a:solidFill>
+            </a:endParaRPr>
+          </a:p>
+        </p:txBody>
+      </p:sp>
       <p:pic>
         <p:nvPicPr>
-          <p:cNvPr id="12" name="Picture 11">
+          <p:cNvPr id="5" name="Picture 4" descr="Logo&#10;&#10;Description automatically generated">
             <a:extLst>
               <a:ext uri="{FF2B5EF4-FFF2-40B4-BE49-F238E27FC236}">
-                <a16:creationId xmlns:a16="http://schemas.microsoft.com/office/drawing/2014/main" id="{4FDCD5D9-6355-1A30-CBFB-ADDB307D35B6}"/>
+                <a16:creationId xmlns:a16="http://schemas.microsoft.com/office/drawing/2014/main" id="{8338F729-39DB-7BBD-BC56-ABC3EF446B59}"/>
               </a:ext>
             </a:extLst>
           </p:cNvPr>
@@ -13905,7 +13905,7 @@
           <p:nvPr/>
         </p:nvPicPr>
         <p:blipFill>
-          <a:blip cstate="print">
+          <a:blip r:embed="rId4" cstate="print">
             <a:extLst>
               <a:ext uri="{28A0092B-C50C-407E-A947-70E740481C1C}">
                 <a14:useLocalDpi xmlns:a14="http://schemas.microsoft.com/office/drawing/2010/main" val="0"/>
@@ -13918,8 +13918,8 @@
         </p:blipFill>
         <p:spPr>
           <a:xfrm>
-            <a:off x="3868789" y="3156756"/>
-            <a:ext cx="1376919" cy="1376919"/>
+            <a:off x="3478385" y="2779104"/>
+            <a:ext cx="2175757" cy="2078646"/>
           </a:xfrm>
           <a:prstGeom prst="rect">
             <a:avLst/>
@@ -21144,30 +21144,53 @@
       </p:grpSpPr>
       <p:sp>
         <p:nvSpPr>
-          <p:cNvPr id="99" name="Text Placeholder 98">
+          <p:cNvPr id="26" name="Oval 25">
             <a:extLst>
               <a:ext uri="{FF2B5EF4-FFF2-40B4-BE49-F238E27FC236}">
-                <a16:creationId xmlns:a16="http://schemas.microsoft.com/office/drawing/2014/main" id="{D054213F-B7A4-41F4-8955-B15CD2054858}"/>
+                <a16:creationId xmlns:a16="http://schemas.microsoft.com/office/drawing/2014/main" id="{8D7BBA1D-D3EF-4833-BFD6-5B073871134A}"/>
               </a:ext>
             </a:extLst>
           </p:cNvPr>
-          <p:cNvSpPr>
-            <a:spLocks noGrp="1"/>
-          </p:cNvSpPr>
-          <p:nvPr>
-            <p:ph type="body" sz="half" idx="2"/>
-          </p:nvPr>
+          <p:cNvSpPr/>
+          <p:nvPr/>
         </p:nvSpPr>
-        <p:spPr/>
+        <p:spPr>
+          <a:xfrm>
+            <a:off x="2839720" y="1667510"/>
+            <a:ext cx="1397000" cy="1397000"/>
+          </a:xfrm>
+          <a:prstGeom prst="ellipse">
+            <a:avLst/>
+          </a:prstGeom>
+          <a:solidFill>
+            <a:schemeClr val="accent2"/>
+          </a:solidFill>
+          <a:ln>
+            <a:noFill/>
+          </a:ln>
+        </p:spPr>
+        <p:style>
+          <a:lnRef idx="2">
+            <a:schemeClr val="accent1">
+              <a:shade val="50000"/>
+            </a:schemeClr>
+          </a:lnRef>
+          <a:fillRef idx="1">
+            <a:schemeClr val="accent1"/>
+          </a:fillRef>
+          <a:effectRef idx="0">
+            <a:schemeClr val="accent1"/>
+          </a:effectRef>
+          <a:fontRef idx="minor">
+            <a:schemeClr val="lt1"/>
+          </a:fontRef>
+        </p:style>
         <p:txBody>
-          <a:bodyPr/>
+          <a:bodyPr rtlCol="0" anchor="ctr"/>
           <a:lstStyle/>
           <a:p>
-            <a:r>
-              <a:rPr lang="en-US" dirty="0"/>
-              <a:t>Type The Subtitle Of Your Great Here</a:t>
-            </a:r>
-            <a:endParaRPr lang="ar-IQ" dirty="0"/>
+            <a:pPr algn="ctr"/>
+            <a:endParaRPr lang="en-US"/>
           </a:p>
         </p:txBody>
       </p:sp>
@@ -21266,7 +21289,7 @@
         </p:nvSpPr>
         <p:spPr>
           <a:xfrm>
-            <a:off x="605790" y="3312160"/>
+            <a:off x="1027071" y="3350753"/>
             <a:ext cx="1828795" cy="400110"/>
           </a:xfrm>
           <a:prstGeom prst="rect">
@@ -21293,58 +21316,6 @@
       </p:sp>
       <p:sp>
         <p:nvSpPr>
-          <p:cNvPr id="26" name="Oval 25">
-            <a:extLst>
-              <a:ext uri="{FF2B5EF4-FFF2-40B4-BE49-F238E27FC236}">
-                <a16:creationId xmlns:a16="http://schemas.microsoft.com/office/drawing/2014/main" id="{8D7BBA1D-D3EF-4833-BFD6-5B073871134A}"/>
-              </a:ext>
-            </a:extLst>
-          </p:cNvPr>
-          <p:cNvSpPr/>
-          <p:nvPr/>
-        </p:nvSpPr>
-        <p:spPr>
-          <a:xfrm>
-            <a:off x="2640330" y="1667510"/>
-            <a:ext cx="1397000" cy="1397000"/>
-          </a:xfrm>
-          <a:prstGeom prst="ellipse">
-            <a:avLst/>
-          </a:prstGeom>
-          <a:solidFill>
-            <a:schemeClr val="accent2"/>
-          </a:solidFill>
-          <a:ln>
-            <a:noFill/>
-          </a:ln>
-        </p:spPr>
-        <p:style>
-          <a:lnRef idx="2">
-            <a:schemeClr val="accent1">
-              <a:shade val="50000"/>
-            </a:schemeClr>
-          </a:lnRef>
-          <a:fillRef idx="1">
-            <a:schemeClr val="accent1"/>
-          </a:fillRef>
-          <a:effectRef idx="0">
-            <a:schemeClr val="accent1"/>
-          </a:effectRef>
-          <a:fontRef idx="minor">
-            <a:schemeClr val="lt1"/>
-          </a:fontRef>
-        </p:style>
-        <p:txBody>
-          <a:bodyPr rtlCol="0" anchor="ctr"/>
-          <a:lstStyle/>
-          <a:p>
-            <a:pPr algn="ctr"/>
-            <a:endParaRPr lang="en-US"/>
-          </a:p>
-        </p:txBody>
-      </p:sp>
-      <p:sp>
-        <p:nvSpPr>
           <p:cNvPr id="27" name="Rectangle 26">
             <a:extLst>
               <a:ext uri="{FF2B5EF4-FFF2-40B4-BE49-F238E27FC236}">
@@ -21357,7 +21328,7 @@
         </p:nvSpPr>
         <p:spPr>
           <a:xfrm>
-            <a:off x="2640330" y="3312160"/>
+            <a:off x="2905434" y="3312160"/>
             <a:ext cx="1666566" cy="400110"/>
           </a:xfrm>
           <a:prstGeom prst="rect">
@@ -21396,7 +21367,7 @@
         </p:nvSpPr>
         <p:spPr>
           <a:xfrm>
-            <a:off x="4674870" y="1667510"/>
+            <a:off x="4874260" y="1667510"/>
             <a:ext cx="1397000" cy="1397000"/>
           </a:xfrm>
           <a:prstGeom prst="ellipse">
@@ -21487,7 +21458,7 @@
         </p:nvSpPr>
         <p:spPr>
           <a:xfrm>
-            <a:off x="6709410" y="1667510"/>
+            <a:off x="6908800" y="1667510"/>
             <a:ext cx="1397000" cy="1397000"/>
           </a:xfrm>
           <a:prstGeom prst="ellipse">
@@ -21713,7 +21684,7 @@
         </p:nvGrpSpPr>
         <p:grpSpPr>
           <a:xfrm>
-            <a:off x="2952744" y="2038350"/>
+            <a:off x="3124200" y="2038350"/>
             <a:ext cx="774278" cy="705878"/>
             <a:chOff x="3673475" y="1752601"/>
             <a:chExt cx="1797050" cy="1638300"/>
@@ -22967,7 +22938,7 @@
         </p:nvGrpSpPr>
         <p:grpSpPr>
           <a:xfrm>
-            <a:off x="5034103" y="2028825"/>
+            <a:off x="5265066" y="2028825"/>
             <a:ext cx="678534" cy="674370"/>
             <a:chOff x="1487488" y="3086100"/>
             <a:chExt cx="1293812" cy="1285875"/>
@@ -26456,7 +26427,7 @@
         </p:nvGrpSpPr>
         <p:grpSpPr>
           <a:xfrm>
-            <a:off x="7060972" y="2021044"/>
+            <a:off x="7230924" y="2021044"/>
             <a:ext cx="693876" cy="689932"/>
             <a:chOff x="2962275" y="2824163"/>
             <a:chExt cx="1397000" cy="1389062"/>
@@ -28309,6 +28280,31 @@
           </p:txBody>
         </p:sp>
       </p:grpSp>
+      <p:sp>
+        <p:nvSpPr>
+          <p:cNvPr id="5" name="Text Placeholder 4">
+            <a:extLst>
+              <a:ext uri="{FF2B5EF4-FFF2-40B4-BE49-F238E27FC236}">
+                <a16:creationId xmlns:a16="http://schemas.microsoft.com/office/drawing/2014/main" id="{3CEDF38E-59A0-D0E2-15C6-DEBBAE176BB8}"/>
+              </a:ext>
+            </a:extLst>
+          </p:cNvPr>
+          <p:cNvSpPr>
+            <a:spLocks noGrp="1"/>
+          </p:cNvSpPr>
+          <p:nvPr>
+            <p:ph type="body" sz="half" idx="2"/>
+          </p:nvPr>
+        </p:nvSpPr>
+        <p:spPr/>
+        <p:txBody>
+          <a:bodyPr/>
+          <a:lstStyle/>
+          <a:p>
+            <a:endParaRPr lang="en-CA"/>
+          </a:p>
+        </p:txBody>
+      </p:sp>
     </p:spTree>
     <p:extLst>
       <p:ext uri="{BB962C8B-B14F-4D97-AF65-F5344CB8AC3E}">
@@ -37853,10 +37849,10 @@
       </p:sp>
       <p:pic>
         <p:nvPicPr>
-          <p:cNvPr id="6" name="Picture 5">
+          <p:cNvPr id="7" name="Picture 6">
             <a:extLst>
               <a:ext uri="{FF2B5EF4-FFF2-40B4-BE49-F238E27FC236}">
-                <a16:creationId xmlns:a16="http://schemas.microsoft.com/office/drawing/2014/main" id="{179D2770-D99C-E603-03E2-7ACB6A2F6E80}"/>
+                <a16:creationId xmlns:a16="http://schemas.microsoft.com/office/drawing/2014/main" id="{906AE109-66CF-B478-D972-62D56F2029DF}"/>
               </a:ext>
             </a:extLst>
           </p:cNvPr>
@@ -37866,7 +37862,7 @@
           <p:nvPr/>
         </p:nvPicPr>
         <p:blipFill>
-          <a:blip r:embed="rId2" cstate="print">
+          <a:blip r:embed="rId2">
             <a:extLst>
               <a:ext uri="{28A0092B-C50C-407E-A947-70E740481C1C}">
                 <a14:useLocalDpi xmlns:a14="http://schemas.microsoft.com/office/drawing/2010/main" val="0"/>
@@ -37879,8 +37875,8 @@
         </p:blipFill>
         <p:spPr>
           <a:xfrm>
-            <a:off x="4821082" y="411000"/>
-            <a:ext cx="4170518" cy="4447738"/>
+            <a:off x="4876802" y="285750"/>
+            <a:ext cx="4267198" cy="4550844"/>
           </a:xfrm>
           <a:prstGeom prst="rect">
             <a:avLst/>
